--- a/documentation/ppt.pptx
+++ b/documentation/ppt.pptx
@@ -18,8 +18,9 @@
     <p:sldId id="270" r:id="rId12"/>
     <p:sldId id="265" r:id="rId13"/>
     <p:sldId id="268" r:id="rId14"/>
-    <p:sldId id="272" r:id="rId15"/>
-    <p:sldId id="267" r:id="rId16"/>
+    <p:sldId id="273" r:id="rId15"/>
+    <p:sldId id="272" r:id="rId16"/>
+    <p:sldId id="267" r:id="rId17"/>
   </p:sldIdLst>
   <p:sldSz cx="12192000" cy="6858000"/>
   <p:notesSz cx="6858000" cy="9144000"/>
@@ -12611,7 +12612,7 @@
           <a:p>
             <a:fld id="{20987035-5060-4B9F-B814-A5608920B698}" type="datetimeFigureOut">
               <a:rPr lang="en-US" smtClean="0"/>
-              <a:t>3/2/2022</a:t>
+              <a:t>3/6/2022</a:t>
             </a:fld>
             <a:endParaRPr lang="en-US"/>
           </a:p>
@@ -12809,7 +12810,7 @@
           <a:p>
             <a:fld id="{20987035-5060-4B9F-B814-A5608920B698}" type="datetimeFigureOut">
               <a:rPr lang="en-US" smtClean="0"/>
-              <a:t>3/2/2022</a:t>
+              <a:t>3/6/2022</a:t>
             </a:fld>
             <a:endParaRPr lang="en-US"/>
           </a:p>
@@ -13017,7 +13018,7 @@
           <a:p>
             <a:fld id="{20987035-5060-4B9F-B814-A5608920B698}" type="datetimeFigureOut">
               <a:rPr lang="en-US" smtClean="0"/>
-              <a:t>3/2/2022</a:t>
+              <a:t>3/6/2022</a:t>
             </a:fld>
             <a:endParaRPr lang="en-US"/>
           </a:p>
@@ -13215,7 +13216,7 @@
           <a:p>
             <a:fld id="{20987035-5060-4B9F-B814-A5608920B698}" type="datetimeFigureOut">
               <a:rPr lang="en-US" smtClean="0"/>
-              <a:t>3/2/2022</a:t>
+              <a:t>3/6/2022</a:t>
             </a:fld>
             <a:endParaRPr lang="en-US"/>
           </a:p>
@@ -13490,7 +13491,7 @@
           <a:p>
             <a:fld id="{20987035-5060-4B9F-B814-A5608920B698}" type="datetimeFigureOut">
               <a:rPr lang="en-US" smtClean="0"/>
-              <a:t>3/2/2022</a:t>
+              <a:t>3/6/2022</a:t>
             </a:fld>
             <a:endParaRPr lang="en-US"/>
           </a:p>
@@ -13755,7 +13756,7 @@
           <a:p>
             <a:fld id="{20987035-5060-4B9F-B814-A5608920B698}" type="datetimeFigureOut">
               <a:rPr lang="en-US" smtClean="0"/>
-              <a:t>3/2/2022</a:t>
+              <a:t>3/6/2022</a:t>
             </a:fld>
             <a:endParaRPr lang="en-US"/>
           </a:p>
@@ -14167,7 +14168,7 @@
           <a:p>
             <a:fld id="{20987035-5060-4B9F-B814-A5608920B698}" type="datetimeFigureOut">
               <a:rPr lang="en-US" smtClean="0"/>
-              <a:t>3/2/2022</a:t>
+              <a:t>3/6/2022</a:t>
             </a:fld>
             <a:endParaRPr lang="en-US"/>
           </a:p>
@@ -14308,7 +14309,7 @@
           <a:p>
             <a:fld id="{20987035-5060-4B9F-B814-A5608920B698}" type="datetimeFigureOut">
               <a:rPr lang="en-US" smtClean="0"/>
-              <a:t>3/2/2022</a:t>
+              <a:t>3/6/2022</a:t>
             </a:fld>
             <a:endParaRPr lang="en-US"/>
           </a:p>
@@ -14421,7 +14422,7 @@
           <a:p>
             <a:fld id="{20987035-5060-4B9F-B814-A5608920B698}" type="datetimeFigureOut">
               <a:rPr lang="en-US" smtClean="0"/>
-              <a:t>3/2/2022</a:t>
+              <a:t>3/6/2022</a:t>
             </a:fld>
             <a:endParaRPr lang="en-US"/>
           </a:p>
@@ -14732,7 +14733,7 @@
           <a:p>
             <a:fld id="{20987035-5060-4B9F-B814-A5608920B698}" type="datetimeFigureOut">
               <a:rPr lang="en-US" smtClean="0"/>
-              <a:t>3/2/2022</a:t>
+              <a:t>3/6/2022</a:t>
             </a:fld>
             <a:endParaRPr lang="en-US"/>
           </a:p>
@@ -15020,7 +15021,7 @@
           <a:p>
             <a:fld id="{20987035-5060-4B9F-B814-A5608920B698}" type="datetimeFigureOut">
               <a:rPr lang="en-US" smtClean="0"/>
-              <a:t>3/2/2022</a:t>
+              <a:t>3/6/2022</a:t>
             </a:fld>
             <a:endParaRPr lang="en-US"/>
           </a:p>
@@ -15261,7 +15262,7 @@
           <a:p>
             <a:fld id="{20987035-5060-4B9F-B814-A5608920B698}" type="datetimeFigureOut">
               <a:rPr lang="en-US" smtClean="0"/>
-              <a:t>3/2/2022</a:t>
+              <a:t>3/6/2022</a:t>
             </a:fld>
             <a:endParaRPr lang="en-US"/>
           </a:p>
@@ -18000,6 +18001,870 @@
 <file path=ppt/slides/slide14.xml><?xml version="1.0" encoding="utf-8"?>
 <p:sld xmlns:a="http://schemas.openxmlformats.org/drawingml/2006/main" xmlns:r="http://schemas.openxmlformats.org/officeDocument/2006/relationships" xmlns:p="http://schemas.openxmlformats.org/presentationml/2006/main">
   <p:cSld>
+    <p:spTree>
+      <p:nvGrpSpPr>
+        <p:cNvPr id="1" name=""/>
+        <p:cNvGrpSpPr/>
+        <p:nvPr/>
+      </p:nvGrpSpPr>
+      <p:grpSpPr>
+        <a:xfrm>
+          <a:off x="0" y="0"/>
+          <a:ext cx="0" cy="0"/>
+          <a:chOff x="0" y="0"/>
+          <a:chExt cx="0" cy="0"/>
+        </a:xfrm>
+      </p:grpSpPr>
+      <p:sp>
+        <p:nvSpPr>
+          <p:cNvPr id="2" name="Title 1">
+            <a:extLst>
+              <a:ext uri="{FF2B5EF4-FFF2-40B4-BE49-F238E27FC236}">
+                <a16:creationId xmlns:a16="http://schemas.microsoft.com/office/drawing/2014/main" id="{EB26B4B1-6ECA-4634-A3C5-FD3D4EBBFD1F}"/>
+              </a:ext>
+            </a:extLst>
+          </p:cNvPr>
+          <p:cNvSpPr>
+            <a:spLocks noGrp="1"/>
+          </p:cNvSpPr>
+          <p:nvPr>
+            <p:ph type="title"/>
+          </p:nvPr>
+        </p:nvSpPr>
+        <p:spPr>
+          <a:xfrm>
+            <a:off x="838200" y="365126"/>
+            <a:ext cx="10515600" cy="886812"/>
+          </a:xfrm>
+        </p:spPr>
+        <p:txBody>
+          <a:bodyPr/>
+          <a:lstStyle/>
+          <a:p>
+            <a:pPr algn="ctr"/>
+            <a:r>
+              <a:rPr lang="en-US" b="1" dirty="0">
+                <a:solidFill>
+                  <a:srgbClr val="FF0000"/>
+                </a:solidFill>
+              </a:rPr>
+              <a:t>GitHub Repo- Folder Structure</a:t>
+            </a:r>
+          </a:p>
+        </p:txBody>
+      </p:sp>
+      <p:pic>
+        <p:nvPicPr>
+          <p:cNvPr id="5" name="Content Placeholder 4" descr="Graphical user interface, text&#10;&#10;Description automatically generated">
+            <a:extLst>
+              <a:ext uri="{FF2B5EF4-FFF2-40B4-BE49-F238E27FC236}">
+                <a16:creationId xmlns:a16="http://schemas.microsoft.com/office/drawing/2014/main" id="{E9905156-EF13-4387-80C6-59C0378A931D}"/>
+              </a:ext>
+            </a:extLst>
+          </p:cNvPr>
+          <p:cNvPicPr>
+            <a:picLocks noGrp="1" noChangeAspect="1"/>
+          </p:cNvPicPr>
+          <p:nvPr>
+            <p:ph idx="1"/>
+          </p:nvPr>
+        </p:nvPicPr>
+        <p:blipFill>
+          <a:blip r:embed="rId2">
+            <a:extLst>
+              <a:ext uri="{28A0092B-C50C-407E-A947-70E740481C1C}">
+                <a14:useLocalDpi xmlns:a14="http://schemas.microsoft.com/office/drawing/2010/main" val="0"/>
+              </a:ext>
+            </a:extLst>
+          </a:blip>
+          <a:stretch>
+            <a:fillRect/>
+          </a:stretch>
+        </p:blipFill>
+        <p:spPr>
+          <a:xfrm>
+            <a:off x="1157484" y="1476994"/>
+            <a:ext cx="4870783" cy="4992931"/>
+          </a:xfrm>
+          <a:prstGeom prst="rect">
+            <a:avLst/>
+          </a:prstGeom>
+          <a:ln>
+            <a:noFill/>
+          </a:ln>
+          <a:effectLst>
+            <a:outerShdw blurRad="292100" dist="139700" dir="2700000" algn="tl" rotWithShape="0">
+              <a:srgbClr val="333333">
+                <a:alpha val="65000"/>
+              </a:srgbClr>
+            </a:outerShdw>
+          </a:effectLst>
+        </p:spPr>
+      </p:pic>
+      <p:sp>
+        <p:nvSpPr>
+          <p:cNvPr id="8" name="Oval 7">
+            <a:extLst>
+              <a:ext uri="{FF2B5EF4-FFF2-40B4-BE49-F238E27FC236}">
+                <a16:creationId xmlns:a16="http://schemas.microsoft.com/office/drawing/2014/main" id="{73755414-CAE2-4466-ABA0-F82055C21EA6}"/>
+              </a:ext>
+            </a:extLst>
+          </p:cNvPr>
+          <p:cNvSpPr/>
+          <p:nvPr/>
+        </p:nvSpPr>
+        <p:spPr>
+          <a:xfrm>
+            <a:off x="7943117" y="2687160"/>
+            <a:ext cx="1587731" cy="847899"/>
+          </a:xfrm>
+          <a:prstGeom prst="ellipse">
+            <a:avLst/>
+          </a:prstGeom>
+        </p:spPr>
+        <p:style>
+          <a:lnRef idx="2">
+            <a:schemeClr val="accent6"/>
+          </a:lnRef>
+          <a:fillRef idx="1">
+            <a:schemeClr val="lt1"/>
+          </a:fillRef>
+          <a:effectRef idx="0">
+            <a:schemeClr val="accent6"/>
+          </a:effectRef>
+          <a:fontRef idx="minor">
+            <a:schemeClr val="dk1"/>
+          </a:fontRef>
+        </p:style>
+        <p:txBody>
+          <a:bodyPr rtlCol="0" anchor="ctr"/>
+          <a:lstStyle/>
+          <a:p>
+            <a:pPr algn="ctr"/>
+            <a:r>
+              <a:rPr lang="en-US" dirty="0"/>
+              <a:t>EDA</a:t>
+            </a:r>
+          </a:p>
+        </p:txBody>
+      </p:sp>
+      <p:sp>
+        <p:nvSpPr>
+          <p:cNvPr id="9" name="Oval 8">
+            <a:extLst>
+              <a:ext uri="{FF2B5EF4-FFF2-40B4-BE49-F238E27FC236}">
+                <a16:creationId xmlns:a16="http://schemas.microsoft.com/office/drawing/2014/main" id="{E27BE38F-0FD2-4635-ADC6-475E5E00C57B}"/>
+              </a:ext>
+            </a:extLst>
+          </p:cNvPr>
+          <p:cNvSpPr/>
+          <p:nvPr/>
+        </p:nvSpPr>
+        <p:spPr>
+          <a:xfrm>
+            <a:off x="7910019" y="3697271"/>
+            <a:ext cx="1587731" cy="847899"/>
+          </a:xfrm>
+          <a:prstGeom prst="ellipse">
+            <a:avLst/>
+          </a:prstGeom>
+        </p:spPr>
+        <p:style>
+          <a:lnRef idx="2">
+            <a:schemeClr val="accent6"/>
+          </a:lnRef>
+          <a:fillRef idx="1">
+            <a:schemeClr val="lt1"/>
+          </a:fillRef>
+          <a:effectRef idx="0">
+            <a:schemeClr val="accent6"/>
+          </a:effectRef>
+          <a:fontRef idx="minor">
+            <a:schemeClr val="dk1"/>
+          </a:fontRef>
+        </p:style>
+        <p:txBody>
+          <a:bodyPr rtlCol="0" anchor="ctr"/>
+          <a:lstStyle/>
+          <a:p>
+            <a:pPr algn="ctr"/>
+            <a:r>
+              <a:rPr lang="en-US" dirty="0"/>
+              <a:t>Machine Modelling</a:t>
+            </a:r>
+          </a:p>
+        </p:txBody>
+      </p:sp>
+      <p:sp>
+        <p:nvSpPr>
+          <p:cNvPr id="10" name="Oval 9">
+            <a:extLst>
+              <a:ext uri="{FF2B5EF4-FFF2-40B4-BE49-F238E27FC236}">
+                <a16:creationId xmlns:a16="http://schemas.microsoft.com/office/drawing/2014/main" id="{5565933A-1F47-4702-AAF5-C37B79D144EB}"/>
+              </a:ext>
+            </a:extLst>
+          </p:cNvPr>
+          <p:cNvSpPr/>
+          <p:nvPr/>
+        </p:nvSpPr>
+        <p:spPr>
+          <a:xfrm>
+            <a:off x="7943118" y="4653732"/>
+            <a:ext cx="1587731" cy="847899"/>
+          </a:xfrm>
+          <a:prstGeom prst="ellipse">
+            <a:avLst/>
+          </a:prstGeom>
+        </p:spPr>
+        <p:style>
+          <a:lnRef idx="2">
+            <a:schemeClr val="accent6"/>
+          </a:lnRef>
+          <a:fillRef idx="1">
+            <a:schemeClr val="lt1"/>
+          </a:fillRef>
+          <a:effectRef idx="0">
+            <a:schemeClr val="accent6"/>
+          </a:effectRef>
+          <a:fontRef idx="minor">
+            <a:schemeClr val="dk1"/>
+          </a:fontRef>
+        </p:style>
+        <p:txBody>
+          <a:bodyPr rtlCol="0" anchor="ctr"/>
+          <a:lstStyle/>
+          <a:p>
+            <a:pPr algn="ctr"/>
+            <a:r>
+              <a:rPr lang="en-US" dirty="0"/>
+              <a:t>Pickle File</a:t>
+            </a:r>
+          </a:p>
+        </p:txBody>
+      </p:sp>
+      <p:sp>
+        <p:nvSpPr>
+          <p:cNvPr id="11" name="Oval 10">
+            <a:extLst>
+              <a:ext uri="{FF2B5EF4-FFF2-40B4-BE49-F238E27FC236}">
+                <a16:creationId xmlns:a16="http://schemas.microsoft.com/office/drawing/2014/main" id="{B259CBB7-CBDB-4EEB-9F7E-3A17D4B9323F}"/>
+              </a:ext>
+            </a:extLst>
+          </p:cNvPr>
+          <p:cNvSpPr/>
+          <p:nvPr/>
+        </p:nvSpPr>
+        <p:spPr>
+          <a:xfrm>
+            <a:off x="7943118" y="5703854"/>
+            <a:ext cx="1587731" cy="820623"/>
+          </a:xfrm>
+          <a:prstGeom prst="ellipse">
+            <a:avLst/>
+          </a:prstGeom>
+        </p:spPr>
+        <p:style>
+          <a:lnRef idx="2">
+            <a:schemeClr val="accent6"/>
+          </a:lnRef>
+          <a:fillRef idx="1">
+            <a:schemeClr val="lt1"/>
+          </a:fillRef>
+          <a:effectRef idx="0">
+            <a:schemeClr val="accent6"/>
+          </a:effectRef>
+          <a:fontRef idx="minor">
+            <a:schemeClr val="dk1"/>
+          </a:fontRef>
+        </p:style>
+        <p:txBody>
+          <a:bodyPr rtlCol="0" anchor="ctr"/>
+          <a:lstStyle/>
+          <a:p>
+            <a:pPr algn="ctr"/>
+            <a:r>
+              <a:rPr lang="en-US" dirty="0"/>
+              <a:t>App.py</a:t>
+            </a:r>
+          </a:p>
+        </p:txBody>
+      </p:sp>
+      <p:sp>
+        <p:nvSpPr>
+          <p:cNvPr id="12" name="Oval 11">
+            <a:extLst>
+              <a:ext uri="{FF2B5EF4-FFF2-40B4-BE49-F238E27FC236}">
+                <a16:creationId xmlns:a16="http://schemas.microsoft.com/office/drawing/2014/main" id="{8352C80E-687C-4A47-8BA6-B976F46B062D}"/>
+              </a:ext>
+            </a:extLst>
+          </p:cNvPr>
+          <p:cNvSpPr/>
+          <p:nvPr/>
+        </p:nvSpPr>
+        <p:spPr>
+          <a:xfrm>
+            <a:off x="7897168" y="1690688"/>
+            <a:ext cx="1587731" cy="847899"/>
+          </a:xfrm>
+          <a:prstGeom prst="ellipse">
+            <a:avLst/>
+          </a:prstGeom>
+        </p:spPr>
+        <p:style>
+          <a:lnRef idx="2">
+            <a:schemeClr val="accent6"/>
+          </a:lnRef>
+          <a:fillRef idx="1">
+            <a:schemeClr val="lt1"/>
+          </a:fillRef>
+          <a:effectRef idx="0">
+            <a:schemeClr val="accent6"/>
+          </a:effectRef>
+          <a:fontRef idx="minor">
+            <a:schemeClr val="dk1"/>
+          </a:fontRef>
+        </p:style>
+        <p:txBody>
+          <a:bodyPr rtlCol="0" anchor="ctr"/>
+          <a:lstStyle/>
+          <a:p>
+            <a:pPr algn="ctr"/>
+            <a:r>
+              <a:rPr lang="en-US" dirty="0"/>
+              <a:t>Database</a:t>
+            </a:r>
+          </a:p>
+        </p:txBody>
+      </p:sp>
+      <p:cxnSp>
+        <p:nvCxnSpPr>
+          <p:cNvPr id="14" name="Straight Arrow Connector 13">
+            <a:extLst>
+              <a:ext uri="{FF2B5EF4-FFF2-40B4-BE49-F238E27FC236}">
+                <a16:creationId xmlns:a16="http://schemas.microsoft.com/office/drawing/2014/main" id="{749D5B31-4786-47DE-805A-9F1C68DBB092}"/>
+              </a:ext>
+            </a:extLst>
+          </p:cNvPr>
+          <p:cNvCxnSpPr>
+            <a:stCxn id="12" idx="2"/>
+          </p:cNvCxnSpPr>
+          <p:nvPr/>
+        </p:nvCxnSpPr>
+        <p:spPr>
+          <a:xfrm flipH="1">
+            <a:off x="5012575" y="2114638"/>
+            <a:ext cx="2884593" cy="996471"/>
+          </a:xfrm>
+          <a:prstGeom prst="straightConnector1">
+            <a:avLst/>
+          </a:prstGeom>
+          <a:ln>
+            <a:tailEnd type="triangle"/>
+          </a:ln>
+        </p:spPr>
+        <p:style>
+          <a:lnRef idx="1">
+            <a:schemeClr val="accent2"/>
+          </a:lnRef>
+          <a:fillRef idx="0">
+            <a:schemeClr val="accent2"/>
+          </a:fillRef>
+          <a:effectRef idx="0">
+            <a:schemeClr val="accent2"/>
+          </a:effectRef>
+          <a:fontRef idx="minor">
+            <a:schemeClr val="tx1"/>
+          </a:fontRef>
+        </p:style>
+      </p:cxnSp>
+      <p:cxnSp>
+        <p:nvCxnSpPr>
+          <p:cNvPr id="16" name="Straight Arrow Connector 15">
+            <a:extLst>
+              <a:ext uri="{FF2B5EF4-FFF2-40B4-BE49-F238E27FC236}">
+                <a16:creationId xmlns:a16="http://schemas.microsoft.com/office/drawing/2014/main" id="{CBB0AEFD-32EF-4D76-A039-C84CA4FBF3AE}"/>
+              </a:ext>
+            </a:extLst>
+          </p:cNvPr>
+          <p:cNvCxnSpPr>
+            <a:stCxn id="8" idx="2"/>
+          </p:cNvCxnSpPr>
+          <p:nvPr/>
+        </p:nvCxnSpPr>
+        <p:spPr>
+          <a:xfrm flipH="1">
+            <a:off x="3815542" y="3111110"/>
+            <a:ext cx="4127575" cy="2308788"/>
+          </a:xfrm>
+          <a:prstGeom prst="straightConnector1">
+            <a:avLst/>
+          </a:prstGeom>
+          <a:ln>
+            <a:tailEnd type="triangle"/>
+          </a:ln>
+        </p:spPr>
+        <p:style>
+          <a:lnRef idx="1">
+            <a:schemeClr val="accent1"/>
+          </a:lnRef>
+          <a:fillRef idx="0">
+            <a:schemeClr val="accent1"/>
+          </a:fillRef>
+          <a:effectRef idx="0">
+            <a:schemeClr val="accent1"/>
+          </a:effectRef>
+          <a:fontRef idx="minor">
+            <a:schemeClr val="tx1"/>
+          </a:fontRef>
+        </p:style>
+      </p:cxnSp>
+      <p:cxnSp>
+        <p:nvCxnSpPr>
+          <p:cNvPr id="18" name="Straight Arrow Connector 17">
+            <a:extLst>
+              <a:ext uri="{FF2B5EF4-FFF2-40B4-BE49-F238E27FC236}">
+                <a16:creationId xmlns:a16="http://schemas.microsoft.com/office/drawing/2014/main" id="{654343BA-9BFB-43F8-B42C-94E5AAC9A7D8}"/>
+              </a:ext>
+            </a:extLst>
+          </p:cNvPr>
+          <p:cNvCxnSpPr>
+            <a:cxnSpLocks/>
+            <a:stCxn id="9" idx="2"/>
+          </p:cNvCxnSpPr>
+          <p:nvPr/>
+        </p:nvCxnSpPr>
+        <p:spPr>
+          <a:xfrm flipH="1">
+            <a:off x="3890356" y="4121221"/>
+            <a:ext cx="4019663" cy="1722627"/>
+          </a:xfrm>
+          <a:prstGeom prst="straightConnector1">
+            <a:avLst/>
+          </a:prstGeom>
+          <a:ln>
+            <a:tailEnd type="triangle"/>
+          </a:ln>
+        </p:spPr>
+        <p:style>
+          <a:lnRef idx="3">
+            <a:schemeClr val="accent2"/>
+          </a:lnRef>
+          <a:fillRef idx="0">
+            <a:schemeClr val="accent2"/>
+          </a:fillRef>
+          <a:effectRef idx="2">
+            <a:schemeClr val="accent2"/>
+          </a:effectRef>
+          <a:fontRef idx="minor">
+            <a:schemeClr val="tx1"/>
+          </a:fontRef>
+        </p:style>
+      </p:cxnSp>
+      <p:cxnSp>
+        <p:nvCxnSpPr>
+          <p:cNvPr id="21" name="Straight Arrow Connector 20">
+            <a:extLst>
+              <a:ext uri="{FF2B5EF4-FFF2-40B4-BE49-F238E27FC236}">
+                <a16:creationId xmlns:a16="http://schemas.microsoft.com/office/drawing/2014/main" id="{98580AB6-DA90-41E1-8369-C8C9245867F4}"/>
+              </a:ext>
+            </a:extLst>
+          </p:cNvPr>
+          <p:cNvCxnSpPr>
+            <a:stCxn id="10" idx="2"/>
+          </p:cNvCxnSpPr>
+          <p:nvPr/>
+        </p:nvCxnSpPr>
+        <p:spPr>
+          <a:xfrm flipH="1">
+            <a:off x="3732415" y="5077682"/>
+            <a:ext cx="4210703" cy="175962"/>
+          </a:xfrm>
+          <a:prstGeom prst="straightConnector1">
+            <a:avLst/>
+          </a:prstGeom>
+          <a:ln>
+            <a:tailEnd type="triangle"/>
+          </a:ln>
+        </p:spPr>
+        <p:style>
+          <a:lnRef idx="3">
+            <a:schemeClr val="accent6"/>
+          </a:lnRef>
+          <a:fillRef idx="0">
+            <a:schemeClr val="accent6"/>
+          </a:fillRef>
+          <a:effectRef idx="2">
+            <a:schemeClr val="accent6"/>
+          </a:effectRef>
+          <a:fontRef idx="minor">
+            <a:schemeClr val="tx1"/>
+          </a:fontRef>
+        </p:style>
+      </p:cxnSp>
+      <p:cxnSp>
+        <p:nvCxnSpPr>
+          <p:cNvPr id="23" name="Straight Arrow Connector 22">
+            <a:extLst>
+              <a:ext uri="{FF2B5EF4-FFF2-40B4-BE49-F238E27FC236}">
+                <a16:creationId xmlns:a16="http://schemas.microsoft.com/office/drawing/2014/main" id="{0ABEFBC3-665F-43B9-BF46-9883EF93ACE0}"/>
+              </a:ext>
+            </a:extLst>
+          </p:cNvPr>
+          <p:cNvCxnSpPr>
+            <a:stCxn id="10" idx="2"/>
+          </p:cNvCxnSpPr>
+          <p:nvPr/>
+        </p:nvCxnSpPr>
+        <p:spPr>
+          <a:xfrm flipH="1">
+            <a:off x="3358342" y="5077682"/>
+            <a:ext cx="4584776" cy="567273"/>
+          </a:xfrm>
+          <a:prstGeom prst="straightConnector1">
+            <a:avLst/>
+          </a:prstGeom>
+          <a:ln>
+            <a:tailEnd type="triangle"/>
+          </a:ln>
+        </p:spPr>
+        <p:style>
+          <a:lnRef idx="3">
+            <a:schemeClr val="accent6"/>
+          </a:lnRef>
+          <a:fillRef idx="0">
+            <a:schemeClr val="accent6"/>
+          </a:fillRef>
+          <a:effectRef idx="2">
+            <a:schemeClr val="accent6"/>
+          </a:effectRef>
+          <a:fontRef idx="minor">
+            <a:schemeClr val="tx1"/>
+          </a:fontRef>
+        </p:style>
+      </p:cxnSp>
+      <p:cxnSp>
+        <p:nvCxnSpPr>
+          <p:cNvPr id="25" name="Straight Arrow Connector 24">
+            <a:extLst>
+              <a:ext uri="{FF2B5EF4-FFF2-40B4-BE49-F238E27FC236}">
+                <a16:creationId xmlns:a16="http://schemas.microsoft.com/office/drawing/2014/main" id="{7B9854FD-A72A-4EA4-86CF-FC7BCEE4E2C0}"/>
+              </a:ext>
+            </a:extLst>
+          </p:cNvPr>
+          <p:cNvCxnSpPr>
+            <a:stCxn id="11" idx="2"/>
+          </p:cNvCxnSpPr>
+          <p:nvPr/>
+        </p:nvCxnSpPr>
+        <p:spPr>
+          <a:xfrm flipH="1" flipV="1">
+            <a:off x="2834640" y="5077681"/>
+            <a:ext cx="5108478" cy="1036485"/>
+          </a:xfrm>
+          <a:prstGeom prst="straightConnector1">
+            <a:avLst/>
+          </a:prstGeom>
+          <a:ln>
+            <a:tailEnd type="triangle"/>
+          </a:ln>
+        </p:spPr>
+        <p:style>
+          <a:lnRef idx="3">
+            <a:schemeClr val="accent1"/>
+          </a:lnRef>
+          <a:fillRef idx="0">
+            <a:schemeClr val="accent1"/>
+          </a:fillRef>
+          <a:effectRef idx="2">
+            <a:schemeClr val="accent1"/>
+          </a:effectRef>
+          <a:fontRef idx="minor">
+            <a:schemeClr val="tx1"/>
+          </a:fontRef>
+        </p:style>
+      </p:cxnSp>
+      <p:cxnSp>
+        <p:nvCxnSpPr>
+          <p:cNvPr id="27" name="Straight Arrow Connector 26">
+            <a:extLst>
+              <a:ext uri="{FF2B5EF4-FFF2-40B4-BE49-F238E27FC236}">
+                <a16:creationId xmlns:a16="http://schemas.microsoft.com/office/drawing/2014/main" id="{E9D07C6B-8F70-4473-B39E-C392D96EA5B9}"/>
+              </a:ext>
+            </a:extLst>
+          </p:cNvPr>
+          <p:cNvCxnSpPr>
+            <a:stCxn id="11" idx="2"/>
+          </p:cNvCxnSpPr>
+          <p:nvPr/>
+        </p:nvCxnSpPr>
+        <p:spPr>
+          <a:xfrm flipH="1" flipV="1">
+            <a:off x="3042458" y="4339966"/>
+            <a:ext cx="4900660" cy="1774200"/>
+          </a:xfrm>
+          <a:prstGeom prst="straightConnector1">
+            <a:avLst/>
+          </a:prstGeom>
+          <a:ln>
+            <a:tailEnd type="triangle"/>
+          </a:ln>
+        </p:spPr>
+        <p:style>
+          <a:lnRef idx="3">
+            <a:schemeClr val="accent1"/>
+          </a:lnRef>
+          <a:fillRef idx="0">
+            <a:schemeClr val="accent1"/>
+          </a:fillRef>
+          <a:effectRef idx="2">
+            <a:schemeClr val="accent1"/>
+          </a:effectRef>
+          <a:fontRef idx="minor">
+            <a:schemeClr val="tx1"/>
+          </a:fontRef>
+        </p:style>
+      </p:cxnSp>
+      <p:cxnSp>
+        <p:nvCxnSpPr>
+          <p:cNvPr id="29" name="Straight Arrow Connector 28">
+            <a:extLst>
+              <a:ext uri="{FF2B5EF4-FFF2-40B4-BE49-F238E27FC236}">
+                <a16:creationId xmlns:a16="http://schemas.microsoft.com/office/drawing/2014/main" id="{C98F99DD-908C-4A68-BBC7-825999507EA5}"/>
+              </a:ext>
+            </a:extLst>
+          </p:cNvPr>
+          <p:cNvCxnSpPr>
+            <a:stCxn id="11" idx="2"/>
+          </p:cNvCxnSpPr>
+          <p:nvPr/>
+        </p:nvCxnSpPr>
+        <p:spPr>
+          <a:xfrm flipH="1" flipV="1">
+            <a:off x="3034145" y="3588709"/>
+            <a:ext cx="4908973" cy="2525457"/>
+          </a:xfrm>
+          <a:prstGeom prst="straightConnector1">
+            <a:avLst/>
+          </a:prstGeom>
+          <a:ln>
+            <a:tailEnd type="triangle"/>
+          </a:ln>
+        </p:spPr>
+        <p:style>
+          <a:lnRef idx="3">
+            <a:schemeClr val="accent1"/>
+          </a:lnRef>
+          <a:fillRef idx="0">
+            <a:schemeClr val="accent1"/>
+          </a:fillRef>
+          <a:effectRef idx="2">
+            <a:schemeClr val="accent1"/>
+          </a:effectRef>
+          <a:fontRef idx="minor">
+            <a:schemeClr val="tx1"/>
+          </a:fontRef>
+        </p:style>
+      </p:cxnSp>
+      <p:sp>
+        <p:nvSpPr>
+          <p:cNvPr id="30" name="Arrow: Down 29">
+            <a:extLst>
+              <a:ext uri="{FF2B5EF4-FFF2-40B4-BE49-F238E27FC236}">
+                <a16:creationId xmlns:a16="http://schemas.microsoft.com/office/drawing/2014/main" id="{33B1408D-3C28-4619-B149-D71BA0BA80F7}"/>
+              </a:ext>
+            </a:extLst>
+          </p:cNvPr>
+          <p:cNvSpPr/>
+          <p:nvPr/>
+        </p:nvSpPr>
+        <p:spPr>
+          <a:xfrm>
+            <a:off x="8691033" y="2538587"/>
+            <a:ext cx="95520" cy="108562"/>
+          </a:xfrm>
+          <a:prstGeom prst="downArrow">
+            <a:avLst/>
+          </a:prstGeom>
+        </p:spPr>
+        <p:style>
+          <a:lnRef idx="2">
+            <a:schemeClr val="accent1">
+              <a:shade val="50000"/>
+            </a:schemeClr>
+          </a:lnRef>
+          <a:fillRef idx="1">
+            <a:schemeClr val="accent1"/>
+          </a:fillRef>
+          <a:effectRef idx="0">
+            <a:schemeClr val="accent1"/>
+          </a:effectRef>
+          <a:fontRef idx="minor">
+            <a:schemeClr val="lt1"/>
+          </a:fontRef>
+        </p:style>
+        <p:txBody>
+          <a:bodyPr rtlCol="0" anchor="ctr"/>
+          <a:lstStyle/>
+          <a:p>
+            <a:pPr algn="ctr"/>
+            <a:endParaRPr lang="en-US"/>
+          </a:p>
+        </p:txBody>
+      </p:sp>
+      <p:sp>
+        <p:nvSpPr>
+          <p:cNvPr id="31" name="Arrow: Down 30">
+            <a:extLst>
+              <a:ext uri="{FF2B5EF4-FFF2-40B4-BE49-F238E27FC236}">
+                <a16:creationId xmlns:a16="http://schemas.microsoft.com/office/drawing/2014/main" id="{64898D43-8B0A-42AE-8780-3E1FC24B8B7D}"/>
+              </a:ext>
+            </a:extLst>
+          </p:cNvPr>
+          <p:cNvSpPr/>
+          <p:nvPr/>
+        </p:nvSpPr>
+        <p:spPr>
+          <a:xfrm>
+            <a:off x="8713353" y="3561884"/>
+            <a:ext cx="95520" cy="108562"/>
+          </a:xfrm>
+          <a:prstGeom prst="downArrow">
+            <a:avLst/>
+          </a:prstGeom>
+        </p:spPr>
+        <p:style>
+          <a:lnRef idx="2">
+            <a:schemeClr val="accent1">
+              <a:shade val="50000"/>
+            </a:schemeClr>
+          </a:lnRef>
+          <a:fillRef idx="1">
+            <a:schemeClr val="accent1"/>
+          </a:fillRef>
+          <a:effectRef idx="0">
+            <a:schemeClr val="accent1"/>
+          </a:effectRef>
+          <a:fontRef idx="minor">
+            <a:schemeClr val="lt1"/>
+          </a:fontRef>
+        </p:style>
+        <p:txBody>
+          <a:bodyPr rtlCol="0" anchor="ctr"/>
+          <a:lstStyle/>
+          <a:p>
+            <a:pPr algn="ctr"/>
+            <a:endParaRPr lang="en-US"/>
+          </a:p>
+        </p:txBody>
+      </p:sp>
+      <p:sp>
+        <p:nvSpPr>
+          <p:cNvPr id="32" name="Arrow: Down 31">
+            <a:extLst>
+              <a:ext uri="{FF2B5EF4-FFF2-40B4-BE49-F238E27FC236}">
+                <a16:creationId xmlns:a16="http://schemas.microsoft.com/office/drawing/2014/main" id="{08C4D2D9-1BB4-4F4B-890A-E987BD5C9D9B}"/>
+              </a:ext>
+            </a:extLst>
+          </p:cNvPr>
+          <p:cNvSpPr/>
+          <p:nvPr/>
+        </p:nvSpPr>
+        <p:spPr>
+          <a:xfrm>
+            <a:off x="8670208" y="4549788"/>
+            <a:ext cx="95520" cy="108562"/>
+          </a:xfrm>
+          <a:prstGeom prst="downArrow">
+            <a:avLst/>
+          </a:prstGeom>
+        </p:spPr>
+        <p:style>
+          <a:lnRef idx="2">
+            <a:schemeClr val="accent1">
+              <a:shade val="50000"/>
+            </a:schemeClr>
+          </a:lnRef>
+          <a:fillRef idx="1">
+            <a:schemeClr val="accent1"/>
+          </a:fillRef>
+          <a:effectRef idx="0">
+            <a:schemeClr val="accent1"/>
+          </a:effectRef>
+          <a:fontRef idx="minor">
+            <a:schemeClr val="lt1"/>
+          </a:fontRef>
+        </p:style>
+        <p:txBody>
+          <a:bodyPr rtlCol="0" anchor="ctr"/>
+          <a:lstStyle/>
+          <a:p>
+            <a:pPr algn="ctr"/>
+            <a:endParaRPr lang="en-US"/>
+          </a:p>
+        </p:txBody>
+      </p:sp>
+      <p:sp>
+        <p:nvSpPr>
+          <p:cNvPr id="33" name="Arrow: Down 32">
+            <a:extLst>
+              <a:ext uri="{FF2B5EF4-FFF2-40B4-BE49-F238E27FC236}">
+                <a16:creationId xmlns:a16="http://schemas.microsoft.com/office/drawing/2014/main" id="{41E43524-C6FF-4CFA-AE4B-009078987C75}"/>
+              </a:ext>
+            </a:extLst>
+          </p:cNvPr>
+          <p:cNvSpPr/>
+          <p:nvPr/>
+        </p:nvSpPr>
+        <p:spPr>
+          <a:xfrm>
+            <a:off x="8717968" y="5569563"/>
+            <a:ext cx="95520" cy="108562"/>
+          </a:xfrm>
+          <a:prstGeom prst="downArrow">
+            <a:avLst/>
+          </a:prstGeom>
+        </p:spPr>
+        <p:style>
+          <a:lnRef idx="2">
+            <a:schemeClr val="accent1">
+              <a:shade val="50000"/>
+            </a:schemeClr>
+          </a:lnRef>
+          <a:fillRef idx="1">
+            <a:schemeClr val="accent1"/>
+          </a:fillRef>
+          <a:effectRef idx="0">
+            <a:schemeClr val="accent1"/>
+          </a:effectRef>
+          <a:fontRef idx="minor">
+            <a:schemeClr val="lt1"/>
+          </a:fontRef>
+        </p:style>
+        <p:txBody>
+          <a:bodyPr rtlCol="0" anchor="ctr"/>
+          <a:lstStyle/>
+          <a:p>
+            <a:pPr algn="ctr"/>
+            <a:endParaRPr lang="en-US"/>
+          </a:p>
+        </p:txBody>
+      </p:sp>
+    </p:spTree>
+    <p:extLst>
+      <p:ext uri="{BB962C8B-B14F-4D97-AF65-F5344CB8AC3E}">
+        <p14:creationId xmlns:p14="http://schemas.microsoft.com/office/powerpoint/2010/main" val="4003512612"/>
+      </p:ext>
+    </p:extLst>
+  </p:cSld>
+  <p:clrMapOvr>
+    <a:masterClrMapping/>
+  </p:clrMapOvr>
+</p:sld>
+</file>
+
+<file path=ppt/slides/slide15.xml><?xml version="1.0" encoding="utf-8"?>
+<p:sld xmlns:a="http://schemas.openxmlformats.org/drawingml/2006/main" xmlns:r="http://schemas.openxmlformats.org/officeDocument/2006/relationships" xmlns:p="http://schemas.openxmlformats.org/presentationml/2006/main">
+  <p:cSld>
     <p:bg>
       <p:bgPr>
         <a:solidFill>
@@ -18712,7 +19577,7 @@
 </p:sld>
 </file>
 
-<file path=ppt/slides/slide15.xml><?xml version="1.0" encoding="utf-8"?>
+<file path=ppt/slides/slide16.xml><?xml version="1.0" encoding="utf-8"?>
 <p:sld xmlns:a="http://schemas.openxmlformats.org/drawingml/2006/main" xmlns:r="http://schemas.openxmlformats.org/officeDocument/2006/relationships" xmlns:p="http://schemas.openxmlformats.org/presentationml/2006/main">
   <p:cSld>
     <p:bg>
